--- a/Chiu_Van_Thuy_slide_DATN.pptx
+++ b/Chiu_Van_Thuy_slide_DATN.pptx
@@ -255,7 +255,7 @@
           <a:p>
             <a:fld id="{7CD4A5DF-C9ED-4331-9C0A-D1B49AAB54A9}" type="datetimeFigureOut">
               <a:rPr lang="en-US" smtClean="0"/>
-              <a:t>5/27/2021</a:t>
+              <a:t>5/29/2021</a:t>
             </a:fld>
             <a:endParaRPr lang="en-US"/>
           </a:p>
@@ -1509,7 +1509,7 @@
           <a:p>
             <a:fld id="{5FB91ABF-B93D-4436-BCC9-BCD15F499BE2}" type="datetime1">
               <a:rPr lang="vi-VN" smtClean="0"/>
-              <a:t>27/05/2021</a:t>
+              <a:t>29/05/2021</a:t>
             </a:fld>
             <a:endParaRPr lang="en-US"/>
           </a:p>
@@ -1901,7 +1901,7 @@
           <a:p>
             <a:fld id="{11AF33EB-7783-4F44-B52A-130FF97FF99B}" type="datetime1">
               <a:rPr lang="vi-VN" smtClean="0"/>
-              <a:t>27/05/2021</a:t>
+              <a:t>29/05/2021</a:t>
             </a:fld>
             <a:endParaRPr lang="en-US"/>
           </a:p>
@@ -2435,7 +2435,7 @@
           <a:p>
             <a:fld id="{FB0B87B8-16DC-4E1F-B142-C132EE67B714}" type="datetime1">
               <a:rPr lang="vi-VN" smtClean="0"/>
-              <a:t>27/05/2021</a:t>
+              <a:t>29/05/2021</a:t>
             </a:fld>
             <a:endParaRPr lang="en-US"/>
           </a:p>
@@ -2566,7 +2566,7 @@
           <a:p>
             <a:fld id="{C3D1AD0E-C440-4B29-AB75-0827C366D6A6}" type="datetime1">
               <a:rPr lang="vi-VN" smtClean="0"/>
-              <a:t>27/05/2021</a:t>
+              <a:t>29/05/2021</a:t>
             </a:fld>
             <a:endParaRPr lang="en-US"/>
           </a:p>
@@ -3110,7 +3110,7 @@
           <a:p>
             <a:fld id="{EF0836DE-351F-4872-AD0C-F4516DD5DD1D}" type="datetime1">
               <a:rPr lang="vi-VN" smtClean="0"/>
-              <a:t>27/05/2021</a:t>
+              <a:t>29/05/2021</a:t>
             </a:fld>
             <a:endParaRPr lang="en-US"/>
           </a:p>
@@ -3404,7 +3404,7 @@
           <a:p>
             <a:fld id="{0B6852FF-7B7C-4EE8-AFC2-EE2B8297DA24}" type="datetime1">
               <a:rPr lang="vi-VN" smtClean="0"/>
-              <a:t>27/05/2021</a:t>
+              <a:t>29/05/2021</a:t>
             </a:fld>
             <a:endParaRPr lang="en-US"/>
           </a:p>
@@ -4064,7 +4064,7 @@
           <a:p>
             <a:fld id="{C2851D0D-6538-4AB2-AC87-D93E7F6C1A06}" type="datetime1">
               <a:rPr lang="vi-VN" smtClean="0"/>
-              <a:t>27/05/2021</a:t>
+              <a:t>29/05/2021</a:t>
             </a:fld>
             <a:endParaRPr lang="en-US"/>
           </a:p>
@@ -4499,7 +4499,7 @@
           <a:p>
             <a:fld id="{7DCAC0D8-931C-4108-8786-30602F0D59D5}" type="datetime1">
               <a:rPr lang="vi-VN" smtClean="0"/>
-              <a:t>27/05/2021</a:t>
+              <a:t>29/05/2021</a:t>
             </a:fld>
             <a:endParaRPr lang="en-US"/>
           </a:p>
@@ -4813,7 +4813,7 @@
           <a:p>
             <a:fld id="{7787A26E-8200-4DDE-AEF1-1147B5B73BA6}" type="datetime1">
               <a:rPr lang="vi-VN" smtClean="0"/>
-              <a:t>27/05/2021</a:t>
+              <a:t>29/05/2021</a:t>
             </a:fld>
             <a:endParaRPr lang="en-US"/>
           </a:p>
@@ -5546,7 +5546,7 @@
           <a:p>
             <a:fld id="{BB86ED35-B332-4E8E-B538-74A4DE218D4A}" type="datetime1">
               <a:rPr lang="vi-VN" smtClean="0"/>
-              <a:t>27/05/2021</a:t>
+              <a:t>29/05/2021</a:t>
             </a:fld>
             <a:endParaRPr lang="en-US"/>
           </a:p>
@@ -6210,7 +6210,7 @@
           <a:p>
             <a:fld id="{1F5A906C-4B16-4135-83A1-086D3A0D5F93}" type="datetime1">
               <a:rPr lang="vi-VN" smtClean="0"/>
-              <a:t>27/05/2021</a:t>
+              <a:t>29/05/2021</a:t>
             </a:fld>
             <a:endParaRPr lang="en-US"/>
           </a:p>
@@ -6483,7 +6483,7 @@
           <a:p>
             <a:fld id="{F3E50D1D-30EE-46D3-83A9-0F8E1B923D1E}" type="datetime1">
               <a:rPr lang="vi-VN" smtClean="0"/>
-              <a:t>27/05/2021</a:t>
+              <a:t>29/05/2021</a:t>
             </a:fld>
             <a:endParaRPr lang="en-US"/>
           </a:p>
@@ -7748,7 +7748,7 @@
           <a:p>
             <a:fld id="{C3D1AD0E-C440-4B29-AB75-0827C366D6A6}" type="datetime1">
               <a:rPr lang="vi-VN" smtClean="0"/>
-              <a:t>27/05/2021</a:t>
+              <a:t>29/05/2021</a:t>
             </a:fld>
             <a:endParaRPr lang="en-US"/>
           </a:p>
@@ -8130,7 +8130,7 @@
           <a:p>
             <a:fld id="{C3D1AD0E-C440-4B29-AB75-0827C366D6A6}" type="datetime1">
               <a:rPr lang="vi-VN" smtClean="0"/>
-              <a:t>27/05/2021</a:t>
+              <a:t>29/05/2021</a:t>
             </a:fld>
             <a:endParaRPr lang="en-US"/>
           </a:p>
@@ -9635,7 +9635,7 @@
           <a:p>
             <a:fld id="{C3D1AD0E-C440-4B29-AB75-0827C366D6A6}" type="datetime1">
               <a:rPr lang="vi-VN" smtClean="0"/>
-              <a:t>27/05/2021</a:t>
+              <a:t>29/05/2021</a:t>
             </a:fld>
             <a:endParaRPr lang="en-US"/>
           </a:p>
@@ -13661,266 +13661,6 @@
   <p:clrMapOvr>
     <a:masterClrMapping/>
   </p:clrMapOvr>
-  <p:timing>
-    <p:tnLst>
-      <p:par>
-        <p:cTn id="1" dur="indefinite" restart="never" nodeType="tmRoot">
-          <p:childTnLst>
-            <p:seq concurrent="1" nextAc="seek">
-              <p:cTn id="2" dur="indefinite" nodeType="mainSeq">
-                <p:childTnLst>
-                  <p:par>
-                    <p:cTn id="3" fill="hold">
-                      <p:stCondLst>
-                        <p:cond delay="indefinite"/>
-                      </p:stCondLst>
-                      <p:childTnLst>
-                        <p:par>
-                          <p:cTn id="4" fill="hold">
-                            <p:stCondLst>
-                              <p:cond delay="0"/>
-                            </p:stCondLst>
-                            <p:childTnLst>
-                              <p:par>
-                                <p:cTn id="5" presetID="42" presetClass="entr" presetSubtype="0" fill="hold" nodeType="clickEffect">
-                                  <p:stCondLst>
-                                    <p:cond delay="0"/>
-                                  </p:stCondLst>
-                                  <p:childTnLst>
-                                    <p:set>
-                                      <p:cBhvr>
-                                        <p:cTn id="6" dur="1" fill="hold">
-                                          <p:stCondLst>
-                                            <p:cond delay="0"/>
-                                          </p:stCondLst>
-                                        </p:cTn>
-                                        <p:tgtEl>
-                                          <p:spTgt spid="4">
-                                            <p:txEl>
-                                              <p:pRg st="0" end="0"/>
-                                            </p:txEl>
-                                          </p:spTgt>
-                                        </p:tgtEl>
-                                        <p:attrNameLst>
-                                          <p:attrName>style.visibility</p:attrName>
-                                        </p:attrNameLst>
-                                      </p:cBhvr>
-                                      <p:to>
-                                        <p:strVal val="visible"/>
-                                      </p:to>
-                                    </p:set>
-                                    <p:animEffect transition="in" filter="fade">
-                                      <p:cBhvr>
-                                        <p:cTn id="7" dur="1000"/>
-                                        <p:tgtEl>
-                                          <p:spTgt spid="4">
-                                            <p:txEl>
-                                              <p:pRg st="0" end="0"/>
-                                            </p:txEl>
-                                          </p:spTgt>
-                                        </p:tgtEl>
-                                      </p:cBhvr>
-                                    </p:animEffect>
-                                    <p:anim calcmode="lin" valueType="num">
-                                      <p:cBhvr>
-                                        <p:cTn id="8" dur="1000" fill="hold"/>
-                                        <p:tgtEl>
-                                          <p:spTgt spid="4">
-                                            <p:txEl>
-                                              <p:pRg st="0" end="0"/>
-                                            </p:txEl>
-                                          </p:spTgt>
-                                        </p:tgtEl>
-                                        <p:attrNameLst>
-                                          <p:attrName>ppt_x</p:attrName>
-                                        </p:attrNameLst>
-                                      </p:cBhvr>
-                                      <p:tavLst>
-                                        <p:tav tm="0">
-                                          <p:val>
-                                            <p:strVal val="#ppt_x"/>
-                                          </p:val>
-                                        </p:tav>
-                                        <p:tav tm="100000">
-                                          <p:val>
-                                            <p:strVal val="#ppt_x"/>
-                                          </p:val>
-                                        </p:tav>
-                                      </p:tavLst>
-                                    </p:anim>
-                                    <p:anim calcmode="lin" valueType="num">
-                                      <p:cBhvr>
-                                        <p:cTn id="9" dur="1000" fill="hold"/>
-                                        <p:tgtEl>
-                                          <p:spTgt spid="4">
-                                            <p:txEl>
-                                              <p:pRg st="0" end="0"/>
-                                            </p:txEl>
-                                          </p:spTgt>
-                                        </p:tgtEl>
-                                        <p:attrNameLst>
-                                          <p:attrName>ppt_y</p:attrName>
-                                        </p:attrNameLst>
-                                      </p:cBhvr>
-                                      <p:tavLst>
-                                        <p:tav tm="0">
-                                          <p:val>
-                                            <p:strVal val="#ppt_y+.1"/>
-                                          </p:val>
-                                        </p:tav>
-                                        <p:tav tm="100000">
-                                          <p:val>
-                                            <p:strVal val="#ppt_y"/>
-                                          </p:val>
-                                        </p:tav>
-                                      </p:tavLst>
-                                    </p:anim>
-                                  </p:childTnLst>
-                                </p:cTn>
-                              </p:par>
-                            </p:childTnLst>
-                          </p:cTn>
-                        </p:par>
-                      </p:childTnLst>
-                    </p:cTn>
-                  </p:par>
-                  <p:par>
-                    <p:cTn id="10" fill="hold">
-                      <p:stCondLst>
-                        <p:cond delay="indefinite"/>
-                      </p:stCondLst>
-                      <p:childTnLst>
-                        <p:par>
-                          <p:cTn id="11" fill="hold">
-                            <p:stCondLst>
-                              <p:cond delay="0"/>
-                            </p:stCondLst>
-                            <p:childTnLst>
-                              <p:par>
-                                <p:cTn id="12" presetID="42" presetClass="entr" presetSubtype="0" fill="hold" nodeType="clickEffect">
-                                  <p:stCondLst>
-                                    <p:cond delay="0"/>
-                                  </p:stCondLst>
-                                  <p:childTnLst>
-                                    <p:set>
-                                      <p:cBhvr>
-                                        <p:cTn id="13" dur="1" fill="hold">
-                                          <p:stCondLst>
-                                            <p:cond delay="0"/>
-                                          </p:stCondLst>
-                                        </p:cTn>
-                                        <p:tgtEl>
-                                          <p:spTgt spid="4">
-                                            <p:txEl>
-                                              <p:pRg st="1" end="1"/>
-                                            </p:txEl>
-                                          </p:spTgt>
-                                        </p:tgtEl>
-                                        <p:attrNameLst>
-                                          <p:attrName>style.visibility</p:attrName>
-                                        </p:attrNameLst>
-                                      </p:cBhvr>
-                                      <p:to>
-                                        <p:strVal val="visible"/>
-                                      </p:to>
-                                    </p:set>
-                                    <p:animEffect transition="in" filter="fade">
-                                      <p:cBhvr>
-                                        <p:cTn id="14" dur="1000"/>
-                                        <p:tgtEl>
-                                          <p:spTgt spid="4">
-                                            <p:txEl>
-                                              <p:pRg st="1" end="1"/>
-                                            </p:txEl>
-                                          </p:spTgt>
-                                        </p:tgtEl>
-                                      </p:cBhvr>
-                                    </p:animEffect>
-                                    <p:anim calcmode="lin" valueType="num">
-                                      <p:cBhvr>
-                                        <p:cTn id="15" dur="1000" fill="hold"/>
-                                        <p:tgtEl>
-                                          <p:spTgt spid="4">
-                                            <p:txEl>
-                                              <p:pRg st="1" end="1"/>
-                                            </p:txEl>
-                                          </p:spTgt>
-                                        </p:tgtEl>
-                                        <p:attrNameLst>
-                                          <p:attrName>ppt_x</p:attrName>
-                                        </p:attrNameLst>
-                                      </p:cBhvr>
-                                      <p:tavLst>
-                                        <p:tav tm="0">
-                                          <p:val>
-                                            <p:strVal val="#ppt_x"/>
-                                          </p:val>
-                                        </p:tav>
-                                        <p:tav tm="100000">
-                                          <p:val>
-                                            <p:strVal val="#ppt_x"/>
-                                          </p:val>
-                                        </p:tav>
-                                      </p:tavLst>
-                                    </p:anim>
-                                    <p:anim calcmode="lin" valueType="num">
-                                      <p:cBhvr>
-                                        <p:cTn id="16" dur="1000" fill="hold"/>
-                                        <p:tgtEl>
-                                          <p:spTgt spid="4">
-                                            <p:txEl>
-                                              <p:pRg st="1" end="1"/>
-                                            </p:txEl>
-                                          </p:spTgt>
-                                        </p:tgtEl>
-                                        <p:attrNameLst>
-                                          <p:attrName>ppt_y</p:attrName>
-                                        </p:attrNameLst>
-                                      </p:cBhvr>
-                                      <p:tavLst>
-                                        <p:tav tm="0">
-                                          <p:val>
-                                            <p:strVal val="#ppt_y+.1"/>
-                                          </p:val>
-                                        </p:tav>
-                                        <p:tav tm="100000">
-                                          <p:val>
-                                            <p:strVal val="#ppt_y"/>
-                                          </p:val>
-                                        </p:tav>
-                                      </p:tavLst>
-                                    </p:anim>
-                                  </p:childTnLst>
-                                </p:cTn>
-                              </p:par>
-                            </p:childTnLst>
-                          </p:cTn>
-                        </p:par>
-                      </p:childTnLst>
-                    </p:cTn>
-                  </p:par>
-                </p:childTnLst>
-              </p:cTn>
-              <p:prevCondLst>
-                <p:cond evt="onPrev" delay="0">
-                  <p:tgtEl>
-                    <p:sldTgt/>
-                  </p:tgtEl>
-                </p:cond>
-              </p:prevCondLst>
-              <p:nextCondLst>
-                <p:cond evt="onNext" delay="0">
-                  <p:tgtEl>
-                    <p:sldTgt/>
-                  </p:tgtEl>
-                </p:cond>
-              </p:nextCondLst>
-            </p:seq>
-          </p:childTnLst>
-        </p:cTn>
-      </p:par>
-    </p:tnLst>
-  </p:timing>
 </p:sld>
 </file>
 
@@ -14047,21 +13787,42 @@
           </a:p>
         </p:txBody>
       </p:sp>
-      <p:pic>
-        <p:nvPicPr>
-          <p:cNvPr id="6" name="Content Placeholder 5">
+      <p:sp>
+        <p:nvSpPr>
+          <p:cNvPr id="5" name="Content Placeholder 4">
             <a:extLst>
               <a:ext uri="{FF2B5EF4-FFF2-40B4-BE49-F238E27FC236}">
-                <a16:creationId xmlns:a16="http://schemas.microsoft.com/office/drawing/2014/main" id="{BF5D7B6A-C0EB-44D7-B46C-89E92A4075D7}"/>
+                <a16:creationId xmlns:a16="http://schemas.microsoft.com/office/drawing/2014/main" id="{B079F993-4A9E-484E-B56A-112B6F7A3AE7}"/>
               </a:ext>
             </a:extLst>
           </p:cNvPr>
-          <p:cNvPicPr>
-            <a:picLocks noGrp="1"/>
-          </p:cNvPicPr>
+          <p:cNvSpPr>
+            <a:spLocks noGrp="1"/>
+          </p:cNvSpPr>
           <p:nvPr>
             <p:ph sz="quarter" idx="1"/>
           </p:nvPr>
+        </p:nvSpPr>
+        <p:spPr/>
+        <p:txBody>
+          <a:bodyPr/>
+          <a:lstStyle/>
+          <a:p>
+            <a:endParaRPr lang="en-US"/>
+          </a:p>
+        </p:txBody>
+      </p:sp>
+      <p:pic>
+        <p:nvPicPr>
+          <p:cNvPr id="8" name="Picture 7">
+            <a:extLst>
+              <a:ext uri="{FF2B5EF4-FFF2-40B4-BE49-F238E27FC236}">
+                <a16:creationId xmlns:a16="http://schemas.microsoft.com/office/drawing/2014/main" id="{4524A599-54C2-4AD6-A326-95F5327FEAE9}"/>
+              </a:ext>
+            </a:extLst>
+          </p:cNvPr>
+          <p:cNvPicPr/>
+          <p:nvPr/>
         </p:nvPicPr>
         <p:blipFill>
           <a:blip r:embed="rId2"/>
@@ -14071,8 +13832,8 @@
         </p:blipFill>
         <p:spPr>
           <a:xfrm>
-            <a:off x="2136200" y="1824144"/>
-            <a:ext cx="4908175" cy="4572000"/>
+            <a:off x="2590800" y="1694604"/>
+            <a:ext cx="4354068" cy="4572000"/>
           </a:xfrm>
           <a:prstGeom prst="rect">
             <a:avLst/>
@@ -14327,7 +14088,7 @@
           <a:p>
             <a:fld id="{C3D1AD0E-C440-4B29-AB75-0827C366D6A6}" type="datetime1">
               <a:rPr lang="vi-VN" smtClean="0"/>
-              <a:t>27/05/2021</a:t>
+              <a:t>29/05/2021</a:t>
             </a:fld>
             <a:endParaRPr lang="en-US"/>
           </a:p>
@@ -14537,7 +14298,7 @@
           <a:p>
             <a:fld id="{C3D1AD0E-C440-4B29-AB75-0827C366D6A6}" type="datetime1">
               <a:rPr lang="vi-VN" smtClean="0"/>
-              <a:t>27/05/2021</a:t>
+              <a:t>29/05/2021</a:t>
             </a:fld>
             <a:endParaRPr lang="en-US"/>
           </a:p>
